--- a/2019-7-数据预处理技术.pptx
+++ b/2019-7-数据预处理技术.pptx
@@ -360,6 +360,103 @@
 
 <file path=ppt/changesInfos/changesInfo1.xml><?xml version="1.0" encoding="utf-8"?>
 <pc:chgInfo xmlns:a="http://schemas.openxmlformats.org/drawingml/2006/main" xmlns:r="http://schemas.openxmlformats.org/officeDocument/2006/relationships" xmlns:ac="http://schemas.microsoft.com/office/drawing/2013/main/command" xmlns:pc="http://schemas.microsoft.com/office/powerpoint/2013/main/command">
+  <pc:docChgLst>
+    <pc:chgData name="Xu Ning" userId="4b16d4e24b5f2f9c" providerId="LiveId" clId="{92564EFE-80FB-6740-8AF6-409FCB1F9244}"/>
+    <pc:docChg chg="addSld modSld">
+      <pc:chgData name="Xu Ning" userId="4b16d4e24b5f2f9c" providerId="LiveId" clId="{92564EFE-80FB-6740-8AF6-409FCB1F9244}" dt="2019-08-29T14:43:08.607" v="27" actId="14100"/>
+      <pc:docMkLst>
+        <pc:docMk/>
+      </pc:docMkLst>
+    </pc:docChg>
+  </pc:docChgLst>
+  <pc:docChgLst>
+    <pc:chgData name="Xu Ning" userId="4b16d4e24b5f2f9c" providerId="LiveId" clId="{CCA12937-6072-684A-B5FB-2414859E2419}"/>
+    <pc:docChg chg="undo custSel addSld modSld">
+      <pc:chgData name="Xu Ning" userId="4b16d4e24b5f2f9c" providerId="LiveId" clId="{CCA12937-6072-684A-B5FB-2414859E2419}" dt="2019-10-22T08:56:56.772" v="71" actId="20577"/>
+      <pc:docMkLst>
+        <pc:docMk/>
+      </pc:docMkLst>
+      <pc:sldChg chg="addSp modSp">
+        <pc:chgData name="Xu Ning" userId="4b16d4e24b5f2f9c" providerId="LiveId" clId="{CCA12937-6072-684A-B5FB-2414859E2419}" dt="2019-10-22T08:56:56.772" v="71" actId="20577"/>
+        <pc:sldMkLst>
+          <pc:docMk/>
+          <pc:sldMk cId="0" sldId="256"/>
+        </pc:sldMkLst>
+        <pc:spChg chg="mod">
+          <ac:chgData name="Xu Ning" userId="4b16d4e24b5f2f9c" providerId="LiveId" clId="{CCA12937-6072-684A-B5FB-2414859E2419}" dt="2019-10-22T08:56:56.772" v="71" actId="20577"/>
+          <ac:spMkLst>
+            <pc:docMk/>
+            <pc:sldMk cId="0" sldId="256"/>
+            <ac:spMk id="155" creationId="{00000000-0000-0000-0000-000000000000}"/>
+          </ac:spMkLst>
+        </pc:spChg>
+        <pc:picChg chg="add">
+          <ac:chgData name="Xu Ning" userId="4b16d4e24b5f2f9c" providerId="LiveId" clId="{CCA12937-6072-684A-B5FB-2414859E2419}" dt="2019-10-22T08:53:09.760" v="0"/>
+          <ac:picMkLst>
+            <pc:docMk/>
+            <pc:sldMk cId="0" sldId="256"/>
+            <ac:picMk id="3" creationId="{A7243ED1-A230-D649-A974-FBEE95FC8267}"/>
+          </ac:picMkLst>
+        </pc:picChg>
+      </pc:sldChg>
+      <pc:sldChg chg="add">
+        <pc:chgData name="Xu Ning" userId="4b16d4e24b5f2f9c" providerId="LiveId" clId="{CCA12937-6072-684A-B5FB-2414859E2419}" dt="2019-10-22T08:53:54.350" v="1"/>
+        <pc:sldMkLst>
+          <pc:docMk/>
+          <pc:sldMk cId="1594414168" sldId="272"/>
+        </pc:sldMkLst>
+      </pc:sldChg>
+      <pc:sldChg chg="add">
+        <pc:chgData name="Xu Ning" userId="4b16d4e24b5f2f9c" providerId="LiveId" clId="{CCA12937-6072-684A-B5FB-2414859E2419}" dt="2019-10-22T08:53:54.350" v="1"/>
+        <pc:sldMkLst>
+          <pc:docMk/>
+          <pc:sldMk cId="10203007" sldId="273"/>
+        </pc:sldMkLst>
+      </pc:sldChg>
+      <pc:sldChg chg="add">
+        <pc:chgData name="Xu Ning" userId="4b16d4e24b5f2f9c" providerId="LiveId" clId="{CCA12937-6072-684A-B5FB-2414859E2419}" dt="2019-10-22T08:53:54.350" v="1"/>
+        <pc:sldMkLst>
+          <pc:docMk/>
+          <pc:sldMk cId="2233989587" sldId="279"/>
+        </pc:sldMkLst>
+      </pc:sldChg>
+      <pc:sldChg chg="add">
+        <pc:chgData name="Xu Ning" userId="4b16d4e24b5f2f9c" providerId="LiveId" clId="{CCA12937-6072-684A-B5FB-2414859E2419}" dt="2019-10-22T08:53:54.350" v="1"/>
+        <pc:sldMkLst>
+          <pc:docMk/>
+          <pc:sldMk cId="2630118457" sldId="280"/>
+        </pc:sldMkLst>
+      </pc:sldChg>
+      <pc:sldChg chg="add">
+        <pc:chgData name="Xu Ning" userId="4b16d4e24b5f2f9c" providerId="LiveId" clId="{CCA12937-6072-684A-B5FB-2414859E2419}" dt="2019-10-22T08:53:54.350" v="1"/>
+        <pc:sldMkLst>
+          <pc:docMk/>
+          <pc:sldMk cId="3383000492" sldId="281"/>
+        </pc:sldMkLst>
+      </pc:sldChg>
+      <pc:sldChg chg="add">
+        <pc:chgData name="Xu Ning" userId="4b16d4e24b5f2f9c" providerId="LiveId" clId="{CCA12937-6072-684A-B5FB-2414859E2419}" dt="2019-10-22T08:53:54.350" v="1"/>
+        <pc:sldMkLst>
+          <pc:docMk/>
+          <pc:sldMk cId="148791203" sldId="290"/>
+        </pc:sldMkLst>
+      </pc:sldChg>
+      <pc:sldChg chg="add">
+        <pc:chgData name="Xu Ning" userId="4b16d4e24b5f2f9c" providerId="LiveId" clId="{CCA12937-6072-684A-B5FB-2414859E2419}" dt="2019-10-22T08:53:54.350" v="1"/>
+        <pc:sldMkLst>
+          <pc:docMk/>
+          <pc:sldMk cId="3273817577" sldId="291"/>
+        </pc:sldMkLst>
+      </pc:sldChg>
+      <pc:sldChg chg="add">
+        <pc:chgData name="Xu Ning" userId="4b16d4e24b5f2f9c" providerId="LiveId" clId="{CCA12937-6072-684A-B5FB-2414859E2419}" dt="2019-10-22T08:53:54.350" v="1"/>
+        <pc:sldMkLst>
+          <pc:docMk/>
+          <pc:sldMk cId="2216208274" sldId="294"/>
+        </pc:sldMkLst>
+      </pc:sldChg>
+    </pc:docChg>
+  </pc:docChgLst>
   <pc:docChgLst>
     <pc:chgData name="Xu Ning" userId="4b16d4e24b5f2f9c" providerId="LiveId" clId="{C87EF62A-8827-D143-A61C-AE15F37B059C}"/>
     <pc:docChg chg="undo custSel addSld delSld modSld sldOrd">
@@ -1881,103 +1978,6 @@
       </pc:sldChg>
     </pc:docChg>
   </pc:docChgLst>
-  <pc:docChgLst>
-    <pc:chgData name="Xu Ning" userId="4b16d4e24b5f2f9c" providerId="LiveId" clId="{92564EFE-80FB-6740-8AF6-409FCB1F9244}"/>
-    <pc:docChg chg="addSld modSld">
-      <pc:chgData name="Xu Ning" userId="4b16d4e24b5f2f9c" providerId="LiveId" clId="{92564EFE-80FB-6740-8AF6-409FCB1F9244}" dt="2019-08-29T14:43:08.607" v="27" actId="14100"/>
-      <pc:docMkLst>
-        <pc:docMk/>
-      </pc:docMkLst>
-    </pc:docChg>
-  </pc:docChgLst>
-  <pc:docChgLst>
-    <pc:chgData name="Xu Ning" userId="4b16d4e24b5f2f9c" providerId="LiveId" clId="{CCA12937-6072-684A-B5FB-2414859E2419}"/>
-    <pc:docChg chg="undo custSel addSld modSld">
-      <pc:chgData name="Xu Ning" userId="4b16d4e24b5f2f9c" providerId="LiveId" clId="{CCA12937-6072-684A-B5FB-2414859E2419}" dt="2019-10-22T08:56:56.772" v="71" actId="20577"/>
-      <pc:docMkLst>
-        <pc:docMk/>
-      </pc:docMkLst>
-      <pc:sldChg chg="addSp modSp">
-        <pc:chgData name="Xu Ning" userId="4b16d4e24b5f2f9c" providerId="LiveId" clId="{CCA12937-6072-684A-B5FB-2414859E2419}" dt="2019-10-22T08:56:56.772" v="71" actId="20577"/>
-        <pc:sldMkLst>
-          <pc:docMk/>
-          <pc:sldMk cId="0" sldId="256"/>
-        </pc:sldMkLst>
-        <pc:spChg chg="mod">
-          <ac:chgData name="Xu Ning" userId="4b16d4e24b5f2f9c" providerId="LiveId" clId="{CCA12937-6072-684A-B5FB-2414859E2419}" dt="2019-10-22T08:56:56.772" v="71" actId="20577"/>
-          <ac:spMkLst>
-            <pc:docMk/>
-            <pc:sldMk cId="0" sldId="256"/>
-            <ac:spMk id="155" creationId="{00000000-0000-0000-0000-000000000000}"/>
-          </ac:spMkLst>
-        </pc:spChg>
-        <pc:picChg chg="add">
-          <ac:chgData name="Xu Ning" userId="4b16d4e24b5f2f9c" providerId="LiveId" clId="{CCA12937-6072-684A-B5FB-2414859E2419}" dt="2019-10-22T08:53:09.760" v="0"/>
-          <ac:picMkLst>
-            <pc:docMk/>
-            <pc:sldMk cId="0" sldId="256"/>
-            <ac:picMk id="3" creationId="{A7243ED1-A230-D649-A974-FBEE95FC8267}"/>
-          </ac:picMkLst>
-        </pc:picChg>
-      </pc:sldChg>
-      <pc:sldChg chg="add">
-        <pc:chgData name="Xu Ning" userId="4b16d4e24b5f2f9c" providerId="LiveId" clId="{CCA12937-6072-684A-B5FB-2414859E2419}" dt="2019-10-22T08:53:54.350" v="1"/>
-        <pc:sldMkLst>
-          <pc:docMk/>
-          <pc:sldMk cId="1594414168" sldId="272"/>
-        </pc:sldMkLst>
-      </pc:sldChg>
-      <pc:sldChg chg="add">
-        <pc:chgData name="Xu Ning" userId="4b16d4e24b5f2f9c" providerId="LiveId" clId="{CCA12937-6072-684A-B5FB-2414859E2419}" dt="2019-10-22T08:53:54.350" v="1"/>
-        <pc:sldMkLst>
-          <pc:docMk/>
-          <pc:sldMk cId="10203007" sldId="273"/>
-        </pc:sldMkLst>
-      </pc:sldChg>
-      <pc:sldChg chg="add">
-        <pc:chgData name="Xu Ning" userId="4b16d4e24b5f2f9c" providerId="LiveId" clId="{CCA12937-6072-684A-B5FB-2414859E2419}" dt="2019-10-22T08:53:54.350" v="1"/>
-        <pc:sldMkLst>
-          <pc:docMk/>
-          <pc:sldMk cId="2233989587" sldId="279"/>
-        </pc:sldMkLst>
-      </pc:sldChg>
-      <pc:sldChg chg="add">
-        <pc:chgData name="Xu Ning" userId="4b16d4e24b5f2f9c" providerId="LiveId" clId="{CCA12937-6072-684A-B5FB-2414859E2419}" dt="2019-10-22T08:53:54.350" v="1"/>
-        <pc:sldMkLst>
-          <pc:docMk/>
-          <pc:sldMk cId="2630118457" sldId="280"/>
-        </pc:sldMkLst>
-      </pc:sldChg>
-      <pc:sldChg chg="add">
-        <pc:chgData name="Xu Ning" userId="4b16d4e24b5f2f9c" providerId="LiveId" clId="{CCA12937-6072-684A-B5FB-2414859E2419}" dt="2019-10-22T08:53:54.350" v="1"/>
-        <pc:sldMkLst>
-          <pc:docMk/>
-          <pc:sldMk cId="3383000492" sldId="281"/>
-        </pc:sldMkLst>
-      </pc:sldChg>
-      <pc:sldChg chg="add">
-        <pc:chgData name="Xu Ning" userId="4b16d4e24b5f2f9c" providerId="LiveId" clId="{CCA12937-6072-684A-B5FB-2414859E2419}" dt="2019-10-22T08:53:54.350" v="1"/>
-        <pc:sldMkLst>
-          <pc:docMk/>
-          <pc:sldMk cId="148791203" sldId="290"/>
-        </pc:sldMkLst>
-      </pc:sldChg>
-      <pc:sldChg chg="add">
-        <pc:chgData name="Xu Ning" userId="4b16d4e24b5f2f9c" providerId="LiveId" clId="{CCA12937-6072-684A-B5FB-2414859E2419}" dt="2019-10-22T08:53:54.350" v="1"/>
-        <pc:sldMkLst>
-          <pc:docMk/>
-          <pc:sldMk cId="3273817577" sldId="291"/>
-        </pc:sldMkLst>
-      </pc:sldChg>
-      <pc:sldChg chg="add">
-        <pc:chgData name="Xu Ning" userId="4b16d4e24b5f2f9c" providerId="LiveId" clId="{CCA12937-6072-684A-B5FB-2414859E2419}" dt="2019-10-22T08:53:54.350" v="1"/>
-        <pc:sldMkLst>
-          <pc:docMk/>
-          <pc:sldMk cId="2216208274" sldId="294"/>
-        </pc:sldMkLst>
-      </pc:sldChg>
-    </pc:docChg>
-  </pc:docChgLst>
 </pc:chgInfo>
 </file>
 
@@ -2375,7 +2375,7 @@
           </a:ln>
           <a:extLst>
             <a:ext uri="{C572A759-6A51-4108-AA02-DFA0A04FC94B}">
-              <ma14:wrappingTextBoxFlag xmlns:ma14="http://schemas.microsoft.com/office/mac/drawingml/2011/main" xmlns:a14="http://schemas.microsoft.com/office/drawing/2010/main" xmlns:m="http://schemas.openxmlformats.org/officeDocument/2006/math" xmlns="" val="1"/>
+              <ma14:wrappingTextBoxFlag xmlns="" xmlns:m="http://schemas.openxmlformats.org/officeDocument/2006/math" xmlns:a14="http://schemas.microsoft.com/office/drawing/2010/main" xmlns:ma14="http://schemas.microsoft.com/office/mac/drawingml/2011/main" val="1"/>
             </a:ext>
           </a:extLst>
         </p:spPr>
@@ -2730,7 +2730,7 @@
           </a:ln>
           <a:extLst>
             <a:ext uri="{C572A759-6A51-4108-AA02-DFA0A04FC94B}">
-              <ma14:wrappingTextBoxFlag xmlns:ma14="http://schemas.microsoft.com/office/mac/drawingml/2011/main" xmlns:a14="http://schemas.microsoft.com/office/drawing/2010/main" xmlns:m="http://schemas.openxmlformats.org/officeDocument/2006/math" xmlns="" val="1"/>
+              <ma14:wrappingTextBoxFlag xmlns="" xmlns:m="http://schemas.openxmlformats.org/officeDocument/2006/math" xmlns:a14="http://schemas.microsoft.com/office/drawing/2010/main" xmlns:ma14="http://schemas.microsoft.com/office/mac/drawingml/2011/main" val="1"/>
             </a:ext>
           </a:extLst>
         </p:spPr>
@@ -3396,7 +3396,7 @@
           </a:ln>
           <a:extLst>
             <a:ext uri="{C572A759-6A51-4108-AA02-DFA0A04FC94B}">
-              <ma14:wrappingTextBoxFlag xmlns:ma14="http://schemas.microsoft.com/office/mac/drawingml/2011/main" xmlns:a14="http://schemas.microsoft.com/office/drawing/2010/main" xmlns:m="http://schemas.openxmlformats.org/officeDocument/2006/math" xmlns="" val="1"/>
+              <ma14:wrappingTextBoxFlag xmlns="" xmlns:m="http://schemas.openxmlformats.org/officeDocument/2006/math" xmlns:a14="http://schemas.microsoft.com/office/drawing/2010/main" xmlns:ma14="http://schemas.microsoft.com/office/mac/drawingml/2011/main" val="1"/>
             </a:ext>
           </a:extLst>
         </p:spPr>
@@ -3596,7 +3596,7 @@
           </a:ln>
           <a:extLst>
             <a:ext uri="{C572A759-6A51-4108-AA02-DFA0A04FC94B}">
-              <ma14:wrappingTextBoxFlag xmlns:ma14="http://schemas.microsoft.com/office/mac/drawingml/2011/main" xmlns:a14="http://schemas.microsoft.com/office/drawing/2010/main" xmlns:m="http://schemas.openxmlformats.org/officeDocument/2006/math" xmlns="" val="1"/>
+              <ma14:wrappingTextBoxFlag xmlns="" xmlns:m="http://schemas.openxmlformats.org/officeDocument/2006/math" xmlns:a14="http://schemas.microsoft.com/office/drawing/2010/main" xmlns:ma14="http://schemas.microsoft.com/office/mac/drawingml/2011/main" val="1"/>
             </a:ext>
           </a:extLst>
         </p:spPr>
@@ -3795,7 +3795,7 @@
           </a:ln>
           <a:extLst>
             <a:ext uri="{C572A759-6A51-4108-AA02-DFA0A04FC94B}">
-              <ma14:wrappingTextBoxFlag xmlns:ma14="http://schemas.microsoft.com/office/mac/drawingml/2011/main" xmlns:a14="http://schemas.microsoft.com/office/drawing/2010/main" xmlns:m="http://schemas.openxmlformats.org/officeDocument/2006/math" xmlns="" val="1"/>
+              <ma14:wrappingTextBoxFlag xmlns="" xmlns:m="http://schemas.openxmlformats.org/officeDocument/2006/math" xmlns:a14="http://schemas.microsoft.com/office/drawing/2010/main" xmlns:ma14="http://schemas.microsoft.com/office/mac/drawingml/2011/main" val="1"/>
             </a:ext>
           </a:extLst>
         </p:spPr>
@@ -3842,7 +3842,7 @@
           </a:ln>
           <a:extLst>
             <a:ext uri="{C572A759-6A51-4108-AA02-DFA0A04FC94B}">
-              <ma14:wrappingTextBoxFlag xmlns:ma14="http://schemas.microsoft.com/office/mac/drawingml/2011/main" xmlns:a14="http://schemas.microsoft.com/office/drawing/2010/main" xmlns:m="http://schemas.openxmlformats.org/officeDocument/2006/math" xmlns="" val="1"/>
+              <ma14:wrappingTextBoxFlag xmlns="" xmlns:m="http://schemas.openxmlformats.org/officeDocument/2006/math" xmlns:a14="http://schemas.microsoft.com/office/drawing/2010/main" xmlns:ma14="http://schemas.microsoft.com/office/mac/drawingml/2011/main" val="1"/>
             </a:ext>
           </a:extLst>
         </p:spPr>
@@ -4245,7 +4245,7 @@
           </a:ln>
           <a:extLst>
             <a:ext uri="{C572A759-6A51-4108-AA02-DFA0A04FC94B}">
-              <ma14:wrappingTextBoxFlag xmlns:ma14="http://schemas.microsoft.com/office/mac/drawingml/2011/main" xmlns:a14="http://schemas.microsoft.com/office/drawing/2010/main" xmlns:m="http://schemas.openxmlformats.org/officeDocument/2006/math" xmlns="" val="1"/>
+              <ma14:wrappingTextBoxFlag xmlns="" xmlns:m="http://schemas.openxmlformats.org/officeDocument/2006/math" xmlns:a14="http://schemas.microsoft.com/office/drawing/2010/main" xmlns:ma14="http://schemas.microsoft.com/office/mac/drawingml/2011/main" val="1"/>
             </a:ext>
           </a:extLst>
         </p:spPr>
@@ -4292,7 +4292,7 @@
           </a:ln>
           <a:extLst>
             <a:ext uri="{C572A759-6A51-4108-AA02-DFA0A04FC94B}">
-              <ma14:wrappingTextBoxFlag xmlns:ma14="http://schemas.microsoft.com/office/mac/drawingml/2011/main" xmlns:a14="http://schemas.microsoft.com/office/drawing/2010/main" xmlns:m="http://schemas.openxmlformats.org/officeDocument/2006/math" xmlns="" val="1"/>
+              <ma14:wrappingTextBoxFlag xmlns="" xmlns:m="http://schemas.openxmlformats.org/officeDocument/2006/math" xmlns:a14="http://schemas.microsoft.com/office/drawing/2010/main" xmlns:ma14="http://schemas.microsoft.com/office/mac/drawingml/2011/main" val="1"/>
             </a:ext>
           </a:extLst>
         </p:spPr>
@@ -5363,7 +5363,7 @@
           </a:ln>
           <a:extLst>
             <a:ext uri="{C572A759-6A51-4108-AA02-DFA0A04FC94B}">
-              <ma14:wrappingTextBoxFlag xmlns:ma14="http://schemas.microsoft.com/office/mac/drawingml/2011/main" xmlns:a14="http://schemas.microsoft.com/office/drawing/2010/main" xmlns:m="http://schemas.openxmlformats.org/officeDocument/2006/math" xmlns="" val="1"/>
+              <ma14:wrappingTextBoxFlag xmlns="" xmlns:m="http://schemas.openxmlformats.org/officeDocument/2006/math" xmlns:a14="http://schemas.microsoft.com/office/drawing/2010/main" xmlns:ma14="http://schemas.microsoft.com/office/mac/drawingml/2011/main" val="1"/>
             </a:ext>
           </a:extLst>
         </p:spPr>
@@ -5401,7 +5401,7 @@
           </a:ln>
           <a:extLst>
             <a:ext uri="{C572A759-6A51-4108-AA02-DFA0A04FC94B}">
-              <ma14:wrappingTextBoxFlag xmlns:ma14="http://schemas.microsoft.com/office/mac/drawingml/2011/main" xmlns:a14="http://schemas.microsoft.com/office/drawing/2010/main" xmlns:m="http://schemas.openxmlformats.org/officeDocument/2006/math" xmlns="" val="1"/>
+              <ma14:wrappingTextBoxFlag xmlns="" xmlns:m="http://schemas.openxmlformats.org/officeDocument/2006/math" xmlns:a14="http://schemas.microsoft.com/office/drawing/2010/main" xmlns:ma14="http://schemas.microsoft.com/office/mac/drawingml/2011/main" val="1"/>
             </a:ext>
           </a:extLst>
         </p:spPr>
@@ -5448,7 +5448,7 @@
           </a:ln>
           <a:extLst>
             <a:ext uri="{C572A759-6A51-4108-AA02-DFA0A04FC94B}">
-              <ma14:wrappingTextBoxFlag xmlns:ma14="http://schemas.microsoft.com/office/mac/drawingml/2011/main" xmlns:a14="http://schemas.microsoft.com/office/drawing/2010/main" xmlns:m="http://schemas.openxmlformats.org/officeDocument/2006/math" xmlns="" val="1"/>
+              <ma14:wrappingTextBoxFlag xmlns="" xmlns:m="http://schemas.openxmlformats.org/officeDocument/2006/math" xmlns:a14="http://schemas.microsoft.com/office/drawing/2010/main" xmlns:ma14="http://schemas.microsoft.com/office/mac/drawingml/2011/main" val="1"/>
             </a:ext>
           </a:extLst>
         </p:spPr>
@@ -5583,7 +5583,7 @@
           </a:ln>
           <a:extLst>
             <a:ext uri="{C572A759-6A51-4108-AA02-DFA0A04FC94B}">
-              <ma14:wrappingTextBoxFlag xmlns:ma14="http://schemas.microsoft.com/office/mac/drawingml/2011/main" xmlns:a14="http://schemas.microsoft.com/office/drawing/2010/main" xmlns:m="http://schemas.openxmlformats.org/officeDocument/2006/math" xmlns="" val="1"/>
+              <ma14:wrappingTextBoxFlag xmlns="" xmlns:m="http://schemas.openxmlformats.org/officeDocument/2006/math" xmlns:a14="http://schemas.microsoft.com/office/drawing/2010/main" xmlns:ma14="http://schemas.microsoft.com/office/mac/drawingml/2011/main" val="1"/>
             </a:ext>
           </a:extLst>
         </p:spPr>
@@ -6534,6 +6534,36 @@
           </a:prstGeom>
         </p:spPr>
       </p:pic>
+      <p:pic>
+        <p:nvPicPr>
+          <p:cNvPr id="4" name="图片 3">
+            <a:extLst>
+              <a:ext uri="{FF2B5EF4-FFF2-40B4-BE49-F238E27FC236}">
+                <a16:creationId xmlns:a16="http://schemas.microsoft.com/office/drawing/2014/main" id="{3561AC41-1E5E-8940-B57A-4A57343BCAE3}"/>
+              </a:ext>
+            </a:extLst>
+          </p:cNvPr>
+          <p:cNvPicPr>
+            <a:picLocks noChangeAspect="1"/>
+          </p:cNvPicPr>
+          <p:nvPr/>
+        </p:nvPicPr>
+        <p:blipFill>
+          <a:blip r:link="rId2"/>
+          <a:stretch>
+            <a:fillRect/>
+          </a:stretch>
+        </p:blipFill>
+        <p:spPr>
+          <a:xfrm>
+            <a:off x="1270000" y="1270000"/>
+            <a:ext cx="63500" cy="76200"/>
+          </a:xfrm>
+          <a:prstGeom prst="rect">
+            <a:avLst/>
+          </a:prstGeom>
+        </p:spPr>
+      </p:pic>
     </p:spTree>
   </p:cSld>
   <p:clrMapOvr>
@@ -10233,7 +10263,7 @@
           </a:ln>
           <a:extLst>
             <a:ext uri="{C572A759-6A51-4108-AA02-DFA0A04FC94B}">
-              <ma14:wrappingTextBoxFlag xmlns="" xmlns:m="http://schemas.openxmlformats.org/officeDocument/2006/math" xmlns:a14="http://schemas.microsoft.com/office/drawing/2010/main" xmlns:ma14="http://schemas.microsoft.com/office/mac/drawingml/2011/main" val="1"/>
+              <ma14:wrappingTextBoxFlag xmlns:ma14="http://schemas.microsoft.com/office/mac/drawingml/2011/main" xmlns:a14="http://schemas.microsoft.com/office/drawing/2010/main" xmlns:m="http://schemas.openxmlformats.org/officeDocument/2006/math" xmlns="" val="1"/>
             </a:ext>
           </a:extLst>
         </p:spPr>
@@ -10284,7 +10314,7 @@
           </a:ln>
           <a:extLst>
             <a:ext uri="{C572A759-6A51-4108-AA02-DFA0A04FC94B}">
-              <ma14:wrappingTextBoxFlag xmlns="" xmlns:m="http://schemas.openxmlformats.org/officeDocument/2006/math" xmlns:a14="http://schemas.microsoft.com/office/drawing/2010/main" xmlns:ma14="http://schemas.microsoft.com/office/mac/drawingml/2011/main" val="1"/>
+              <ma14:wrappingTextBoxFlag xmlns:ma14="http://schemas.microsoft.com/office/mac/drawingml/2011/main" xmlns:a14="http://schemas.microsoft.com/office/drawing/2010/main" xmlns:m="http://schemas.openxmlformats.org/officeDocument/2006/math" xmlns="" val="1"/>
             </a:ext>
           </a:extLst>
         </p:spPr>
@@ -10335,7 +10365,7 @@
           </a:ln>
           <a:extLst>
             <a:ext uri="{C572A759-6A51-4108-AA02-DFA0A04FC94B}">
-              <ma14:wrappingTextBoxFlag xmlns="" xmlns:m="http://schemas.openxmlformats.org/officeDocument/2006/math" xmlns:a14="http://schemas.microsoft.com/office/drawing/2010/main" xmlns:ma14="http://schemas.microsoft.com/office/mac/drawingml/2011/main" val="1"/>
+              <ma14:wrappingTextBoxFlag xmlns:ma14="http://schemas.microsoft.com/office/mac/drawingml/2011/main" xmlns:a14="http://schemas.microsoft.com/office/drawing/2010/main" xmlns:m="http://schemas.openxmlformats.org/officeDocument/2006/math" xmlns="" val="1"/>
             </a:ext>
           </a:extLst>
         </p:spPr>
@@ -10652,7 +10682,7 @@
           </a:prstGeom>
           <a:extLst>
             <a:ext uri="{C572A759-6A51-4108-AA02-DFA0A04FC94B}">
-              <ma14:wrappingTextBoxFlag xmlns:ma14="http://schemas.microsoft.com/office/mac/drawingml/2011/main" xmlns:a14="http://schemas.microsoft.com/office/drawing/2010/main" xmlns:m="http://schemas.openxmlformats.org/officeDocument/2006/math" xmlns="" val="1"/>
+              <ma14:wrappingTextBoxFlag xmlns="" xmlns:m="http://schemas.openxmlformats.org/officeDocument/2006/math" xmlns:a14="http://schemas.microsoft.com/office/drawing/2010/main" xmlns:ma14="http://schemas.microsoft.com/office/mac/drawingml/2011/main" val="1"/>
             </a:ext>
           </a:extLst>
         </p:spPr>
@@ -10686,7 +10716,7 @@
           </a:ln>
           <a:extLst>
             <a:ext uri="{C572A759-6A51-4108-AA02-DFA0A04FC94B}">
-              <ma14:wrappingTextBoxFlag xmlns:ma14="http://schemas.microsoft.com/office/mac/drawingml/2011/main" xmlns:a14="http://schemas.microsoft.com/office/drawing/2010/main" xmlns:m="http://schemas.openxmlformats.org/officeDocument/2006/math" xmlns="" val="1"/>
+              <ma14:wrappingTextBoxFlag xmlns="" xmlns:m="http://schemas.openxmlformats.org/officeDocument/2006/math" xmlns:a14="http://schemas.microsoft.com/office/drawing/2010/main" xmlns:ma14="http://schemas.microsoft.com/office/mac/drawingml/2011/main" val="1"/>
             </a:ext>
           </a:extLst>
         </p:spPr>
@@ -10721,7 +10751,7 @@
           </a:ln>
           <a:extLst>
             <a:ext uri="{C572A759-6A51-4108-AA02-DFA0A04FC94B}">
-              <ma14:wrappingTextBoxFlag xmlns:ma14="http://schemas.microsoft.com/office/mac/drawingml/2011/main" xmlns:a14="http://schemas.microsoft.com/office/drawing/2010/main" xmlns:m="http://schemas.openxmlformats.org/officeDocument/2006/math" xmlns="" val="1"/>
+              <ma14:wrappingTextBoxFlag xmlns="" xmlns:m="http://schemas.openxmlformats.org/officeDocument/2006/math" xmlns:a14="http://schemas.microsoft.com/office/drawing/2010/main" xmlns:ma14="http://schemas.microsoft.com/office/mac/drawingml/2011/main" val="1"/>
             </a:ext>
           </a:extLst>
         </p:spPr>
@@ -10756,7 +10786,7 @@
           </a:ln>
           <a:extLst>
             <a:ext uri="{C572A759-6A51-4108-AA02-DFA0A04FC94B}">
-              <ma14:wrappingTextBoxFlag xmlns:ma14="http://schemas.microsoft.com/office/mac/drawingml/2011/main" xmlns:a14="http://schemas.microsoft.com/office/drawing/2010/main" xmlns:m="http://schemas.openxmlformats.org/officeDocument/2006/math" xmlns="" val="1"/>
+              <ma14:wrappingTextBoxFlag xmlns="" xmlns:m="http://schemas.openxmlformats.org/officeDocument/2006/math" xmlns:a14="http://schemas.microsoft.com/office/drawing/2010/main" xmlns:ma14="http://schemas.microsoft.com/office/mac/drawingml/2011/main" val="1"/>
             </a:ext>
           </a:extLst>
         </p:spPr>
@@ -11016,7 +11046,7 @@
           </a:prstGeom>
           <a:extLst>
             <a:ext uri="{C572A759-6A51-4108-AA02-DFA0A04FC94B}">
-              <ma14:wrappingTextBoxFlag xmlns:ma14="http://schemas.microsoft.com/office/mac/drawingml/2011/main" xmlns:a14="http://schemas.microsoft.com/office/drawing/2010/main" xmlns:m="http://schemas.openxmlformats.org/officeDocument/2006/math" xmlns="" val="1"/>
+              <ma14:wrappingTextBoxFlag xmlns="" xmlns:m="http://schemas.openxmlformats.org/officeDocument/2006/math" xmlns:a14="http://schemas.microsoft.com/office/drawing/2010/main" xmlns:ma14="http://schemas.microsoft.com/office/mac/drawingml/2011/main" val="1"/>
             </a:ext>
           </a:extLst>
         </p:spPr>
@@ -11050,7 +11080,7 @@
           </a:ln>
           <a:extLst>
             <a:ext uri="{C572A759-6A51-4108-AA02-DFA0A04FC94B}">
-              <ma14:wrappingTextBoxFlag xmlns:ma14="http://schemas.microsoft.com/office/mac/drawingml/2011/main" xmlns:a14="http://schemas.microsoft.com/office/drawing/2010/main" xmlns:m="http://schemas.openxmlformats.org/officeDocument/2006/math" xmlns="" val="1"/>
+              <ma14:wrappingTextBoxFlag xmlns="" xmlns:m="http://schemas.openxmlformats.org/officeDocument/2006/math" xmlns:a14="http://schemas.microsoft.com/office/drawing/2010/main" xmlns:ma14="http://schemas.microsoft.com/office/mac/drawingml/2011/main" val="1"/>
             </a:ext>
           </a:extLst>
         </p:spPr>
@@ -19599,7 +19629,7 @@
           </a:ln>
           <a:extLst>
             <a:ext uri="{C572A759-6A51-4108-AA02-DFA0A04FC94B}">
-              <ma14:wrappingTextBoxFlag xmlns:ma14="http://schemas.microsoft.com/office/mac/drawingml/2011/main" xmlns:a14="http://schemas.microsoft.com/office/drawing/2010/main" xmlns:m="http://schemas.openxmlformats.org/officeDocument/2006/math" xmlns="" val="1"/>
+              <ma14:wrappingTextBoxFlag xmlns="" xmlns:m="http://schemas.openxmlformats.org/officeDocument/2006/math" xmlns:a14="http://schemas.microsoft.com/office/drawing/2010/main" xmlns:ma14="http://schemas.microsoft.com/office/mac/drawingml/2011/main" val="1"/>
             </a:ext>
           </a:extLst>
         </p:spPr>
@@ -19690,7 +19720,7 @@
           </a:prstGeom>
           <a:extLst>
             <a:ext uri="{C572A759-6A51-4108-AA02-DFA0A04FC94B}">
-              <ma14:wrappingTextBoxFlag xmlns:ma14="http://schemas.microsoft.com/office/mac/drawingml/2011/main" xmlns:a14="http://schemas.microsoft.com/office/drawing/2010/main" xmlns:m="http://schemas.openxmlformats.org/officeDocument/2006/math" xmlns="" val="1"/>
+              <ma14:wrappingTextBoxFlag xmlns="" xmlns:m="http://schemas.openxmlformats.org/officeDocument/2006/math" xmlns:a14="http://schemas.microsoft.com/office/drawing/2010/main" xmlns:ma14="http://schemas.microsoft.com/office/mac/drawingml/2011/main" val="1"/>
             </a:ext>
           </a:extLst>
         </p:spPr>
@@ -19724,7 +19754,7 @@
           </a:ln>
           <a:extLst>
             <a:ext uri="{C572A759-6A51-4108-AA02-DFA0A04FC94B}">
-              <ma14:wrappingTextBoxFlag xmlns:ma14="http://schemas.microsoft.com/office/mac/drawingml/2011/main" xmlns:a14="http://schemas.microsoft.com/office/drawing/2010/main" xmlns:m="http://schemas.openxmlformats.org/officeDocument/2006/math" xmlns="" val="1"/>
+              <ma14:wrappingTextBoxFlag xmlns="" xmlns:m="http://schemas.openxmlformats.org/officeDocument/2006/math" xmlns:a14="http://schemas.microsoft.com/office/drawing/2010/main" xmlns:ma14="http://schemas.microsoft.com/office/mac/drawingml/2011/main" val="1"/>
             </a:ext>
           </a:extLst>
         </p:spPr>
@@ -19759,7 +19789,7 @@
           </a:ln>
           <a:extLst>
             <a:ext uri="{C572A759-6A51-4108-AA02-DFA0A04FC94B}">
-              <ma14:wrappingTextBoxFlag xmlns:ma14="http://schemas.microsoft.com/office/mac/drawingml/2011/main" xmlns:a14="http://schemas.microsoft.com/office/drawing/2010/main" xmlns:m="http://schemas.openxmlformats.org/officeDocument/2006/math" xmlns="" val="1"/>
+              <ma14:wrappingTextBoxFlag xmlns="" xmlns:m="http://schemas.openxmlformats.org/officeDocument/2006/math" xmlns:a14="http://schemas.microsoft.com/office/drawing/2010/main" xmlns:ma14="http://schemas.microsoft.com/office/mac/drawingml/2011/main" val="1"/>
             </a:ext>
           </a:extLst>
         </p:spPr>
@@ -20090,7 +20120,7 @@
           </a:prstGeom>
           <a:extLst>
             <a:ext uri="{C572A759-6A51-4108-AA02-DFA0A04FC94B}">
-              <ma14:wrappingTextBoxFlag xmlns:ma14="http://schemas.microsoft.com/office/mac/drawingml/2011/main" xmlns:a14="http://schemas.microsoft.com/office/drawing/2010/main" xmlns:m="http://schemas.openxmlformats.org/officeDocument/2006/math" xmlns="" val="1"/>
+              <ma14:wrappingTextBoxFlag xmlns="" xmlns:m="http://schemas.openxmlformats.org/officeDocument/2006/math" xmlns:a14="http://schemas.microsoft.com/office/drawing/2010/main" xmlns:ma14="http://schemas.microsoft.com/office/mac/drawingml/2011/main" val="1"/>
             </a:ext>
           </a:extLst>
         </p:spPr>
@@ -20149,7 +20179,7 @@
           </a:ln>
           <a:extLst>
             <a:ext uri="{C572A759-6A51-4108-AA02-DFA0A04FC94B}">
-              <ma14:wrappingTextBoxFlag xmlns:ma14="http://schemas.microsoft.com/office/mac/drawingml/2011/main" xmlns:a14="http://schemas.microsoft.com/office/drawing/2010/main" xmlns:m="http://schemas.openxmlformats.org/officeDocument/2006/math" xmlns="" val="1"/>
+              <ma14:wrappingTextBoxFlag xmlns="" xmlns:m="http://schemas.openxmlformats.org/officeDocument/2006/math" xmlns:a14="http://schemas.microsoft.com/office/drawing/2010/main" xmlns:ma14="http://schemas.microsoft.com/office/mac/drawingml/2011/main" val="1"/>
             </a:ext>
           </a:extLst>
         </p:spPr>
@@ -20263,7 +20293,7 @@
           </a:ln>
           <a:extLst>
             <a:ext uri="{C572A759-6A51-4108-AA02-DFA0A04FC94B}">
-              <ma14:wrappingTextBoxFlag xmlns:ma14="http://schemas.microsoft.com/office/mac/drawingml/2011/main" xmlns:a14="http://schemas.microsoft.com/office/drawing/2010/main" xmlns:m="http://schemas.openxmlformats.org/officeDocument/2006/math" xmlns="" val="1"/>
+              <ma14:wrappingTextBoxFlag xmlns="" xmlns:m="http://schemas.openxmlformats.org/officeDocument/2006/math" xmlns:a14="http://schemas.microsoft.com/office/drawing/2010/main" xmlns:ma14="http://schemas.microsoft.com/office/mac/drawingml/2011/main" val="1"/>
             </a:ext>
           </a:extLst>
         </p:spPr>
@@ -20298,7 +20328,7 @@
           </a:ln>
           <a:extLst>
             <a:ext uri="{C572A759-6A51-4108-AA02-DFA0A04FC94B}">
-              <ma14:wrappingTextBoxFlag xmlns:ma14="http://schemas.microsoft.com/office/mac/drawingml/2011/main" xmlns:a14="http://schemas.microsoft.com/office/drawing/2010/main" xmlns:m="http://schemas.openxmlformats.org/officeDocument/2006/math" xmlns="" val="1"/>
+              <ma14:wrappingTextBoxFlag xmlns="" xmlns:m="http://schemas.openxmlformats.org/officeDocument/2006/math" xmlns:a14="http://schemas.microsoft.com/office/drawing/2010/main" xmlns:ma14="http://schemas.microsoft.com/office/mac/drawingml/2011/main" val="1"/>
             </a:ext>
           </a:extLst>
         </p:spPr>
@@ -20389,7 +20419,7 @@
           </a:prstGeom>
           <a:extLst>
             <a:ext uri="{C572A759-6A51-4108-AA02-DFA0A04FC94B}">
-              <ma14:wrappingTextBoxFlag xmlns:ma14="http://schemas.microsoft.com/office/mac/drawingml/2011/main" xmlns:a14="http://schemas.microsoft.com/office/drawing/2010/main" xmlns:m="http://schemas.openxmlformats.org/officeDocument/2006/math" xmlns="" val="1"/>
+              <ma14:wrappingTextBoxFlag xmlns="" xmlns:m="http://schemas.openxmlformats.org/officeDocument/2006/math" xmlns:a14="http://schemas.microsoft.com/office/drawing/2010/main" xmlns:ma14="http://schemas.microsoft.com/office/mac/drawingml/2011/main" val="1"/>
             </a:ext>
           </a:extLst>
         </p:spPr>
@@ -20448,7 +20478,7 @@
           </a:ln>
           <a:extLst>
             <a:ext uri="{C572A759-6A51-4108-AA02-DFA0A04FC94B}">
-              <ma14:wrappingTextBoxFlag xmlns:ma14="http://schemas.microsoft.com/office/mac/drawingml/2011/main" xmlns:a14="http://schemas.microsoft.com/office/drawing/2010/main" xmlns:m="http://schemas.openxmlformats.org/officeDocument/2006/math" xmlns="" val="1"/>
+              <ma14:wrappingTextBoxFlag xmlns="" xmlns:m="http://schemas.openxmlformats.org/officeDocument/2006/math" xmlns:a14="http://schemas.microsoft.com/office/drawing/2010/main" xmlns:ma14="http://schemas.microsoft.com/office/mac/drawingml/2011/main" val="1"/>
             </a:ext>
           </a:extLst>
         </p:spPr>
@@ -20483,7 +20513,7 @@
           </a:ln>
           <a:extLst>
             <a:ext uri="{C572A759-6A51-4108-AA02-DFA0A04FC94B}">
-              <ma14:wrappingTextBoxFlag xmlns:ma14="http://schemas.microsoft.com/office/mac/drawingml/2011/main" xmlns:a14="http://schemas.microsoft.com/office/drawing/2010/main" xmlns:m="http://schemas.openxmlformats.org/officeDocument/2006/math" xmlns="" val="1"/>
+              <ma14:wrappingTextBoxFlag xmlns="" xmlns:m="http://schemas.openxmlformats.org/officeDocument/2006/math" xmlns:a14="http://schemas.microsoft.com/office/drawing/2010/main" xmlns:ma14="http://schemas.microsoft.com/office/mac/drawingml/2011/main" val="1"/>
             </a:ext>
           </a:extLst>
         </p:spPr>
@@ -20595,7 +20625,7 @@
           </a:ln>
           <a:extLst>
             <a:ext uri="{C572A759-6A51-4108-AA02-DFA0A04FC94B}">
-              <ma14:wrappingTextBoxFlag xmlns:ma14="http://schemas.microsoft.com/office/mac/drawingml/2011/main" xmlns:a14="http://schemas.microsoft.com/office/drawing/2010/main" xmlns:m="http://schemas.openxmlformats.org/officeDocument/2006/math" xmlns="" val="1"/>
+              <ma14:wrappingTextBoxFlag xmlns="" xmlns:m="http://schemas.openxmlformats.org/officeDocument/2006/math" xmlns:a14="http://schemas.microsoft.com/office/drawing/2010/main" xmlns:ma14="http://schemas.microsoft.com/office/mac/drawingml/2011/main" val="1"/>
             </a:ext>
           </a:extLst>
         </p:spPr>
@@ -20686,7 +20716,7 @@
           </a:prstGeom>
           <a:extLst>
             <a:ext uri="{C572A759-6A51-4108-AA02-DFA0A04FC94B}">
-              <ma14:wrappingTextBoxFlag xmlns:ma14="http://schemas.microsoft.com/office/mac/drawingml/2011/main" xmlns:a14="http://schemas.microsoft.com/office/drawing/2010/main" xmlns:m="http://schemas.openxmlformats.org/officeDocument/2006/math" xmlns="" val="1"/>
+              <ma14:wrappingTextBoxFlag xmlns="" xmlns:m="http://schemas.openxmlformats.org/officeDocument/2006/math" xmlns:a14="http://schemas.microsoft.com/office/drawing/2010/main" xmlns:ma14="http://schemas.microsoft.com/office/mac/drawingml/2011/main" val="1"/>
             </a:ext>
           </a:extLst>
         </p:spPr>
@@ -20745,7 +20775,7 @@
           </a:ln>
           <a:extLst>
             <a:ext uri="{C572A759-6A51-4108-AA02-DFA0A04FC94B}">
-              <ma14:wrappingTextBoxFlag xmlns:ma14="http://schemas.microsoft.com/office/mac/drawingml/2011/main" xmlns:a14="http://schemas.microsoft.com/office/drawing/2010/main" xmlns:m="http://schemas.openxmlformats.org/officeDocument/2006/math" xmlns="" val="1"/>
+              <ma14:wrappingTextBoxFlag xmlns="" xmlns:m="http://schemas.openxmlformats.org/officeDocument/2006/math" xmlns:a14="http://schemas.microsoft.com/office/drawing/2010/main" xmlns:ma14="http://schemas.microsoft.com/office/mac/drawingml/2011/main" val="1"/>
             </a:ext>
           </a:extLst>
         </p:spPr>
@@ -20780,7 +20810,7 @@
           </a:ln>
           <a:extLst>
             <a:ext uri="{C572A759-6A51-4108-AA02-DFA0A04FC94B}">
-              <ma14:wrappingTextBoxFlag xmlns:ma14="http://schemas.microsoft.com/office/mac/drawingml/2011/main" xmlns:a14="http://schemas.microsoft.com/office/drawing/2010/main" xmlns:m="http://schemas.openxmlformats.org/officeDocument/2006/math" xmlns="" val="1"/>
+              <ma14:wrappingTextBoxFlag xmlns="" xmlns:m="http://schemas.openxmlformats.org/officeDocument/2006/math" xmlns:a14="http://schemas.microsoft.com/office/drawing/2010/main" xmlns:ma14="http://schemas.microsoft.com/office/mac/drawingml/2011/main" val="1"/>
             </a:ext>
           </a:extLst>
         </p:spPr>
@@ -20930,7 +20960,7 @@
           </a:ln>
           <a:extLst>
             <a:ext uri="{C572A759-6A51-4108-AA02-DFA0A04FC94B}">
-              <ma14:wrappingTextBoxFlag xmlns:ma14="http://schemas.microsoft.com/office/mac/drawingml/2011/main" xmlns:a14="http://schemas.microsoft.com/office/drawing/2010/main" xmlns:m="http://schemas.openxmlformats.org/officeDocument/2006/math" xmlns="" val="1"/>
+              <ma14:wrappingTextBoxFlag xmlns="" xmlns:m="http://schemas.openxmlformats.org/officeDocument/2006/math" xmlns:a14="http://schemas.microsoft.com/office/drawing/2010/main" xmlns:ma14="http://schemas.microsoft.com/office/mac/drawingml/2011/main" val="1"/>
             </a:ext>
           </a:extLst>
         </p:spPr>
@@ -21021,7 +21051,7 @@
           </a:prstGeom>
           <a:extLst>
             <a:ext uri="{C572A759-6A51-4108-AA02-DFA0A04FC94B}">
-              <ma14:wrappingTextBoxFlag xmlns:ma14="http://schemas.microsoft.com/office/mac/drawingml/2011/main" xmlns:a14="http://schemas.microsoft.com/office/drawing/2010/main" xmlns:m="http://schemas.openxmlformats.org/officeDocument/2006/math" xmlns="" val="1"/>
+              <ma14:wrappingTextBoxFlag xmlns="" xmlns:m="http://schemas.openxmlformats.org/officeDocument/2006/math" xmlns:a14="http://schemas.microsoft.com/office/drawing/2010/main" xmlns:ma14="http://schemas.microsoft.com/office/mac/drawingml/2011/main" val="1"/>
             </a:ext>
           </a:extLst>
         </p:spPr>
@@ -21080,7 +21110,7 @@
           </a:ln>
           <a:extLst>
             <a:ext uri="{C572A759-6A51-4108-AA02-DFA0A04FC94B}">
-              <ma14:wrappingTextBoxFlag xmlns:ma14="http://schemas.microsoft.com/office/mac/drawingml/2011/main" xmlns:a14="http://schemas.microsoft.com/office/drawing/2010/main" xmlns:m="http://schemas.openxmlformats.org/officeDocument/2006/math" xmlns="" val="1"/>
+              <ma14:wrappingTextBoxFlag xmlns="" xmlns:m="http://schemas.openxmlformats.org/officeDocument/2006/math" xmlns:a14="http://schemas.microsoft.com/office/drawing/2010/main" xmlns:ma14="http://schemas.microsoft.com/office/mac/drawingml/2011/main" val="1"/>
             </a:ext>
           </a:extLst>
         </p:spPr>
@@ -21115,7 +21145,7 @@
           </a:ln>
           <a:extLst>
             <a:ext uri="{C572A759-6A51-4108-AA02-DFA0A04FC94B}">
-              <ma14:wrappingTextBoxFlag xmlns:ma14="http://schemas.microsoft.com/office/mac/drawingml/2011/main" xmlns:a14="http://schemas.microsoft.com/office/drawing/2010/main" xmlns:m="http://schemas.openxmlformats.org/officeDocument/2006/math" xmlns="" val="1"/>
+              <ma14:wrappingTextBoxFlag xmlns="" xmlns:m="http://schemas.openxmlformats.org/officeDocument/2006/math" xmlns:a14="http://schemas.microsoft.com/office/drawing/2010/main" xmlns:ma14="http://schemas.microsoft.com/office/mac/drawingml/2011/main" val="1"/>
             </a:ext>
           </a:extLst>
         </p:spPr>
@@ -21269,7 +21299,7 @@
           </a:prstGeom>
           <a:extLst>
             <a:ext uri="{C572A759-6A51-4108-AA02-DFA0A04FC94B}">
-              <ma14:wrappingTextBoxFlag xmlns:ma14="http://schemas.microsoft.com/office/mac/drawingml/2011/main" xmlns:a14="http://schemas.microsoft.com/office/drawing/2010/main" xmlns:m="http://schemas.openxmlformats.org/officeDocument/2006/math" xmlns="" val="1"/>
+              <ma14:wrappingTextBoxFlag xmlns="" xmlns:m="http://schemas.openxmlformats.org/officeDocument/2006/math" xmlns:a14="http://schemas.microsoft.com/office/drawing/2010/main" xmlns:ma14="http://schemas.microsoft.com/office/mac/drawingml/2011/main" val="1"/>
             </a:ext>
           </a:extLst>
         </p:spPr>
@@ -21330,7 +21360,7 @@
           </a:ln>
           <a:extLst>
             <a:ext uri="{C572A759-6A51-4108-AA02-DFA0A04FC94B}">
-              <ma14:wrappingTextBoxFlag xmlns:ma14="http://schemas.microsoft.com/office/mac/drawingml/2011/main" xmlns:a14="http://schemas.microsoft.com/office/drawing/2010/main" xmlns:m="http://schemas.openxmlformats.org/officeDocument/2006/math" xmlns="" val="1"/>
+              <ma14:wrappingTextBoxFlag xmlns="" xmlns:m="http://schemas.openxmlformats.org/officeDocument/2006/math" xmlns:a14="http://schemas.microsoft.com/office/drawing/2010/main" xmlns:ma14="http://schemas.microsoft.com/office/mac/drawingml/2011/main" val="1"/>
             </a:ext>
           </a:extLst>
         </p:spPr>
@@ -21373,7 +21403,7 @@
           </a:ln>
           <a:extLst>
             <a:ext uri="{C572A759-6A51-4108-AA02-DFA0A04FC94B}">
-              <ma14:wrappingTextBoxFlag xmlns:ma14="http://schemas.microsoft.com/office/mac/drawingml/2011/main" xmlns:a14="http://schemas.microsoft.com/office/drawing/2010/main" xmlns:m="http://schemas.openxmlformats.org/officeDocument/2006/math" xmlns="" val="1"/>
+              <ma14:wrappingTextBoxFlag xmlns="" xmlns:m="http://schemas.openxmlformats.org/officeDocument/2006/math" xmlns:a14="http://schemas.microsoft.com/office/drawing/2010/main" xmlns:ma14="http://schemas.microsoft.com/office/mac/drawingml/2011/main" val="1"/>
             </a:ext>
           </a:extLst>
         </p:spPr>
@@ -21416,7 +21446,7 @@
           </a:ln>
           <a:extLst>
             <a:ext uri="{C572A759-6A51-4108-AA02-DFA0A04FC94B}">
-              <ma14:wrappingTextBoxFlag xmlns:ma14="http://schemas.microsoft.com/office/mac/drawingml/2011/main" xmlns:a14="http://schemas.microsoft.com/office/drawing/2010/main" xmlns:m="http://schemas.openxmlformats.org/officeDocument/2006/math" xmlns="" val="1"/>
+              <ma14:wrappingTextBoxFlag xmlns="" xmlns:m="http://schemas.openxmlformats.org/officeDocument/2006/math" xmlns:a14="http://schemas.microsoft.com/office/drawing/2010/main" xmlns:ma14="http://schemas.microsoft.com/office/mac/drawingml/2011/main" val="1"/>
             </a:ext>
           </a:extLst>
         </p:spPr>
@@ -21522,7 +21552,7 @@
           </a:prstGeom>
           <a:extLst>
             <a:ext uri="{C572A759-6A51-4108-AA02-DFA0A04FC94B}">
-              <ma14:wrappingTextBoxFlag xmlns:ma14="http://schemas.microsoft.com/office/mac/drawingml/2011/main" xmlns:a14="http://schemas.microsoft.com/office/drawing/2010/main" xmlns:m="http://schemas.openxmlformats.org/officeDocument/2006/math" xmlns="" val="1"/>
+              <ma14:wrappingTextBoxFlag xmlns="" xmlns:m="http://schemas.openxmlformats.org/officeDocument/2006/math" xmlns:a14="http://schemas.microsoft.com/office/drawing/2010/main" xmlns:ma14="http://schemas.microsoft.com/office/mac/drawingml/2011/main" val="1"/>
             </a:ext>
           </a:extLst>
         </p:spPr>
@@ -21585,7 +21615,7 @@
           </a:ln>
           <a:extLst>
             <a:ext uri="{C572A759-6A51-4108-AA02-DFA0A04FC94B}">
-              <ma14:wrappingTextBoxFlag xmlns:ma14="http://schemas.microsoft.com/office/mac/drawingml/2011/main" xmlns:a14="http://schemas.microsoft.com/office/drawing/2010/main" xmlns:m="http://schemas.openxmlformats.org/officeDocument/2006/math" xmlns="" val="1"/>
+              <ma14:wrappingTextBoxFlag xmlns="" xmlns:m="http://schemas.openxmlformats.org/officeDocument/2006/math" xmlns:a14="http://schemas.microsoft.com/office/drawing/2010/main" xmlns:ma14="http://schemas.microsoft.com/office/mac/drawingml/2011/main" val="1"/>
             </a:ext>
           </a:extLst>
         </p:spPr>
@@ -21620,7 +21650,7 @@
           </a:ln>
           <a:extLst>
             <a:ext uri="{C572A759-6A51-4108-AA02-DFA0A04FC94B}">
-              <ma14:wrappingTextBoxFlag xmlns:ma14="http://schemas.microsoft.com/office/mac/drawingml/2011/main" xmlns:a14="http://schemas.microsoft.com/office/drawing/2010/main" xmlns:m="http://schemas.openxmlformats.org/officeDocument/2006/math" xmlns="" val="1"/>
+              <ma14:wrappingTextBoxFlag xmlns="" xmlns:m="http://schemas.openxmlformats.org/officeDocument/2006/math" xmlns:a14="http://schemas.microsoft.com/office/drawing/2010/main" xmlns:ma14="http://schemas.microsoft.com/office/mac/drawingml/2011/main" val="1"/>
             </a:ext>
           </a:extLst>
         </p:spPr>
@@ -21709,7 +21739,7 @@
           </a:prstGeom>
           <a:extLst>
             <a:ext uri="{C572A759-6A51-4108-AA02-DFA0A04FC94B}">
-              <ma14:wrappingTextBoxFlag xmlns:ma14="http://schemas.microsoft.com/office/mac/drawingml/2011/main" xmlns:a14="http://schemas.microsoft.com/office/drawing/2010/main" xmlns:m="http://schemas.openxmlformats.org/officeDocument/2006/math" xmlns="" val="1"/>
+              <ma14:wrappingTextBoxFlag xmlns="" xmlns:m="http://schemas.openxmlformats.org/officeDocument/2006/math" xmlns:a14="http://schemas.microsoft.com/office/drawing/2010/main" xmlns:ma14="http://schemas.microsoft.com/office/mac/drawingml/2011/main" val="1"/>
             </a:ext>
           </a:extLst>
         </p:spPr>
@@ -22031,7 +22061,7 @@
           </a:prstGeom>
           <a:extLst>
             <a:ext uri="{C572A759-6A51-4108-AA02-DFA0A04FC94B}">
-              <ma14:wrappingTextBoxFlag xmlns="" xmlns:m="http://schemas.openxmlformats.org/officeDocument/2006/math" xmlns:a14="http://schemas.microsoft.com/office/drawing/2010/main" xmlns:ma14="http://schemas.microsoft.com/office/mac/drawingml/2011/main" val="1"/>
+              <ma14:wrappingTextBoxFlag xmlns:ma14="http://schemas.microsoft.com/office/mac/drawingml/2011/main" xmlns:a14="http://schemas.microsoft.com/office/drawing/2010/main" xmlns:m="http://schemas.openxmlformats.org/officeDocument/2006/math" xmlns="" val="1"/>
             </a:ext>
           </a:extLst>
         </p:spPr>
@@ -22520,7 +22550,7 @@
           </a:prstGeom>
           <a:extLst>
             <a:ext uri="{C572A759-6A51-4108-AA02-DFA0A04FC94B}">
-              <ma14:wrappingTextBoxFlag xmlns:ma14="http://schemas.microsoft.com/office/mac/drawingml/2011/main" xmlns:a14="http://schemas.microsoft.com/office/drawing/2010/main" xmlns:m="http://schemas.openxmlformats.org/officeDocument/2006/math" xmlns="" val="1"/>
+              <ma14:wrappingTextBoxFlag xmlns="" xmlns:m="http://schemas.openxmlformats.org/officeDocument/2006/math" xmlns:a14="http://schemas.microsoft.com/office/drawing/2010/main" xmlns:ma14="http://schemas.microsoft.com/office/mac/drawingml/2011/main" val="1"/>
             </a:ext>
           </a:extLst>
         </p:spPr>
@@ -24315,7 +24345,7 @@
           </a:prstGeom>
           <a:extLst>
             <a:ext uri="{C572A759-6A51-4108-AA02-DFA0A04FC94B}">
-              <ma14:wrappingTextBoxFlag xmlns="" xmlns:m="http://schemas.openxmlformats.org/officeDocument/2006/math" xmlns:a14="http://schemas.microsoft.com/office/drawing/2010/main" xmlns:ma14="http://schemas.microsoft.com/office/mac/drawingml/2011/main" val="1"/>
+              <ma14:wrappingTextBoxFlag xmlns:ma14="http://schemas.microsoft.com/office/mac/drawingml/2011/main" xmlns:a14="http://schemas.microsoft.com/office/drawing/2010/main" xmlns:m="http://schemas.openxmlformats.org/officeDocument/2006/math" xmlns="" val="1"/>
             </a:ext>
           </a:extLst>
         </p:spPr>
@@ -24349,7 +24379,7 @@
           </a:ln>
           <a:extLst>
             <a:ext uri="{C572A759-6A51-4108-AA02-DFA0A04FC94B}">
-              <ma14:wrappingTextBoxFlag xmlns="" xmlns:m="http://schemas.openxmlformats.org/officeDocument/2006/math" xmlns:a14="http://schemas.microsoft.com/office/drawing/2010/main" xmlns:ma14="http://schemas.microsoft.com/office/mac/drawingml/2011/main" val="1"/>
+              <ma14:wrappingTextBoxFlag xmlns:ma14="http://schemas.microsoft.com/office/mac/drawingml/2011/main" xmlns:a14="http://schemas.microsoft.com/office/drawing/2010/main" xmlns:m="http://schemas.openxmlformats.org/officeDocument/2006/math" xmlns="" val="1"/>
             </a:ext>
           </a:extLst>
         </p:spPr>
@@ -24394,7 +24424,7 @@
           </a:ln>
           <a:extLst>
             <a:ext uri="{C572A759-6A51-4108-AA02-DFA0A04FC94B}">
-              <ma14:wrappingTextBoxFlag xmlns="" xmlns:m="http://schemas.openxmlformats.org/officeDocument/2006/math" xmlns:a14="http://schemas.microsoft.com/office/drawing/2010/main" xmlns:ma14="http://schemas.microsoft.com/office/mac/drawingml/2011/main" val="1"/>
+              <ma14:wrappingTextBoxFlag xmlns:ma14="http://schemas.microsoft.com/office/mac/drawingml/2011/main" xmlns:a14="http://schemas.microsoft.com/office/drawing/2010/main" xmlns:m="http://schemas.openxmlformats.org/officeDocument/2006/math" xmlns="" val="1"/>
             </a:ext>
           </a:extLst>
         </p:spPr>
@@ -24445,7 +24475,7 @@
           </a:ln>
           <a:extLst>
             <a:ext uri="{C572A759-6A51-4108-AA02-DFA0A04FC94B}">
-              <ma14:wrappingTextBoxFlag xmlns="" xmlns:m="http://schemas.openxmlformats.org/officeDocument/2006/math" xmlns:a14="http://schemas.microsoft.com/office/drawing/2010/main" xmlns:ma14="http://schemas.microsoft.com/office/mac/drawingml/2011/main" val="1"/>
+              <ma14:wrappingTextBoxFlag xmlns:ma14="http://schemas.microsoft.com/office/mac/drawingml/2011/main" xmlns:a14="http://schemas.microsoft.com/office/drawing/2010/main" xmlns:m="http://schemas.openxmlformats.org/officeDocument/2006/math" xmlns="" val="1"/>
             </a:ext>
           </a:extLst>
         </p:spPr>
